--- a/Lecture Notes/ITP4869_Lect_03_Program_Statements.pptx
+++ b/Lecture Notes/ITP4869_Lect_03_Program_Statements.pptx
@@ -239,7 +239,7 @@
             <a:fld id="{E6C1B107-64FD-4351-85AF-CE024DBF6E2E}" type="datetimeFigureOut">
               <a:rPr lang="en-US" smtClean="0"/>
               <a:pPr/>
-              <a:t>5/22/2019</a:t>
+              <a:t>5/27/2019</a:t>
             </a:fld>
             <a:endParaRPr lang="en-US"/>
           </a:p>
@@ -6525,10 +6525,20 @@
                 <a:latin typeface="Consolas" panose="020B0609020204030204" pitchFamily="49" charset="0"/>
                 <a:cs typeface="Consolas" panose="020B0609020204030204" pitchFamily="49" charset="0"/>
               </a:rPr>
-              <a:t>print </a:t>
-            </a:r>
-            <a:r>
-              <a:rPr lang="en-US" sz="2200" dirty="0" err="1">
+              <a:t>p</a:t>
+            </a:r>
+            <a:r>
+              <a:rPr lang="en-US" sz="2200" dirty="0" smtClean="0">
+                <a:solidFill>
+                  <a:srgbClr val="0B5395"/>
+                </a:solidFill>
+                <a:latin typeface="Consolas" panose="020B0609020204030204" pitchFamily="49" charset="0"/>
+                <a:cs typeface="Consolas" panose="020B0609020204030204" pitchFamily="49" charset="0"/>
+              </a:rPr>
+              <a:t>rint(</a:t>
+            </a:r>
+            <a:r>
+              <a:rPr lang="en-US" sz="2200" dirty="0" err="1" smtClean="0">
                 <a:solidFill>
                   <a:srgbClr val="0B5395"/>
                 </a:solidFill>
@@ -6536,6 +6546,16 @@
                 <a:cs typeface="Consolas" panose="020B0609020204030204" pitchFamily="49" charset="0"/>
               </a:rPr>
               <a:t>list_sum</a:t>
+            </a:r>
+            <a:r>
+              <a:rPr lang="en-US" sz="2200" dirty="0" smtClean="0">
+                <a:solidFill>
+                  <a:srgbClr val="0B5395"/>
+                </a:solidFill>
+                <a:latin typeface="Consolas" panose="020B0609020204030204" pitchFamily="49" charset="0"/>
+                <a:cs typeface="Consolas" panose="020B0609020204030204" pitchFamily="49" charset="0"/>
+              </a:rPr>
+              <a:t>)</a:t>
             </a:r>
             <a:endParaRPr lang="en-US" sz="2200" dirty="0">
               <a:solidFill>
@@ -7047,8 +7067,25 @@
                 <a:latin typeface="Consolas" panose="020B0609020204030204" pitchFamily="49" charset="0"/>
                 <a:cs typeface="Consolas" panose="020B0609020204030204" pitchFamily="49" charset="0"/>
               </a:rPr>
-              <a:t>    print t2</a:t>
-            </a:r>
+              <a:t>    </a:t>
+            </a:r>
+            <a:r>
+              <a:rPr lang="en-US" sz="2200" dirty="0" smtClean="0">
+                <a:solidFill>
+                  <a:srgbClr val="0B5395"/>
+                </a:solidFill>
+                <a:latin typeface="Consolas" panose="020B0609020204030204" pitchFamily="49" charset="0"/>
+                <a:cs typeface="Consolas" panose="020B0609020204030204" pitchFamily="49" charset="0"/>
+              </a:rPr>
+              <a:t>print(t2)</a:t>
+            </a:r>
+            <a:endParaRPr lang="en-US" sz="2200" dirty="0">
+              <a:solidFill>
+                <a:srgbClr val="0B5395"/>
+              </a:solidFill>
+              <a:latin typeface="Consolas" panose="020B0609020204030204" pitchFamily="49" charset="0"/>
+              <a:cs typeface="Consolas" panose="020B0609020204030204" pitchFamily="49" charset="0"/>
+            </a:endParaRPr>
           </a:p>
         </p:txBody>
       </p:sp>
@@ -12727,7 +12764,14 @@
                 <a:latin typeface="Consolas" panose="020B0609020204030204" pitchFamily="49" charset="0"/>
                 <a:cs typeface="Consolas" panose="020B0609020204030204" pitchFamily="49" charset="0"/>
               </a:rPr>
-              <a:t>	a = 2;</a:t>
+              <a:t>	a = </a:t>
+            </a:r>
+            <a:r>
+              <a:rPr lang="en-US" dirty="0" smtClean="0">
+                <a:latin typeface="Consolas" panose="020B0609020204030204" pitchFamily="49" charset="0"/>
+                <a:cs typeface="Consolas" panose="020B0609020204030204" pitchFamily="49" charset="0"/>
+              </a:rPr>
+              <a:t>2;</a:t>
             </a:r>
           </a:p>
           <a:p>
@@ -12740,7 +12784,7 @@
               </a:tabLst>
             </a:pPr>
             <a:r>
-              <a:rPr lang="en-US" dirty="0">
+              <a:rPr lang="en-US" dirty="0" smtClean="0">
                 <a:latin typeface="Consolas" panose="020B0609020204030204" pitchFamily="49" charset="0"/>
                 <a:cs typeface="Consolas" panose="020B0609020204030204" pitchFamily="49" charset="0"/>
               </a:rPr>
@@ -12757,12 +12801,16 @@
               </a:tabLst>
             </a:pPr>
             <a:r>
-              <a:rPr lang="en-US" dirty="0">
+              <a:rPr lang="en-US" dirty="0" smtClean="0">
                 <a:latin typeface="Consolas" panose="020B0609020204030204" pitchFamily="49" charset="0"/>
                 <a:cs typeface="Consolas" panose="020B0609020204030204" pitchFamily="49" charset="0"/>
               </a:rPr>
               <a:t>}</a:t>
             </a:r>
+            <a:endParaRPr lang="en-US" dirty="0">
+              <a:latin typeface="Consolas" panose="020B0609020204030204" pitchFamily="49" charset="0"/>
+              <a:cs typeface="Consolas" panose="020B0609020204030204" pitchFamily="49" charset="0"/>
+            </a:endParaRPr>
           </a:p>
         </p:txBody>
       </p:sp>
